--- a/src/Projects/PaymentSystem/GeneralDesign.pptx
+++ b/src/Projects/PaymentSystem/GeneralDesign.pptx
@@ -3792,7 +3792,7 @@
         <p:spPr>
           <a:xfrm flipH="1" flipV="1">
             <a:off x="2870741" y="2409495"/>
-            <a:ext cx="3828025" cy="1577572"/>
+            <a:ext cx="3225259" cy="1461861"/>
           </a:xfrm>
           <a:prstGeom prst="straightConnector1">
             <a:avLst/>

--- a/src/Projects/PaymentSystem/GeneralDesign.pptx
+++ b/src/Projects/PaymentSystem/GeneralDesign.pptx
@@ -3471,7 +3471,7 @@
         </p:nvSpPr>
         <p:spPr>
           <a:xfrm>
-            <a:off x="6130956" y="2961312"/>
+            <a:off x="6166581" y="2961312"/>
             <a:ext cx="1795244" cy="1483167"/>
           </a:xfrm>
           <a:prstGeom prst="rect">
@@ -3503,6 +3503,14 @@
               <a:rPr lang="en-US" dirty="0"/>
               <a:t>Payment Manager</a:t>
             </a:r>
+          </a:p>
+          <a:p>
+            <a:pPr algn="ctr"/>
+            <a:r>
+              <a:rPr lang="en-US"/>
+              <a:t>Server</a:t>
+            </a:r>
+            <a:endParaRPr lang="en-US" dirty="0"/>
           </a:p>
         </p:txBody>
       </p:sp>
@@ -3623,7 +3631,7 @@
         <p:spPr>
           <a:xfrm>
             <a:off x="2905697" y="2168972"/>
-            <a:ext cx="3225259" cy="1533924"/>
+            <a:ext cx="3260884" cy="1533924"/>
           </a:xfrm>
           <a:prstGeom prst="straightConnector1">
             <a:avLst/>

--- a/src/Projects/PaymentSystem/GeneralDesign.pptx
+++ b/src/Projects/PaymentSystem/GeneralDesign.pptx
@@ -3507,10 +3507,9 @@
           <a:p>
             <a:pPr algn="ctr"/>
             <a:r>
-              <a:rPr lang="en-US"/>
+              <a:rPr lang="en-US" dirty="0"/>
               <a:t>Server</a:t>
             </a:r>
-            <a:endParaRPr lang="en-US" dirty="0"/>
           </a:p>
         </p:txBody>
       </p:sp>

--- a/src/Projects/PaymentSystem/GeneralDesign.pptx
+++ b/src/Projects/PaymentSystem/GeneralDesign.pptx
@@ -259,7 +259,7 @@
           <a:p>
             <a:fld id="{ACA42627-B6CF-427D-9662-203EB913D7C5}" type="datetimeFigureOut">
               <a:rPr lang="en-US" smtClean="0"/>
-              <a:t>5/6/24</a:t>
+              <a:t>5/15/24</a:t>
             </a:fld>
             <a:endParaRPr lang="en-US"/>
           </a:p>
@@ -457,7 +457,7 @@
           <a:p>
             <a:fld id="{ACA42627-B6CF-427D-9662-203EB913D7C5}" type="datetimeFigureOut">
               <a:rPr lang="en-US" smtClean="0"/>
-              <a:t>5/6/24</a:t>
+              <a:t>5/15/24</a:t>
             </a:fld>
             <a:endParaRPr lang="en-US"/>
           </a:p>
@@ -665,7 +665,7 @@
           <a:p>
             <a:fld id="{ACA42627-B6CF-427D-9662-203EB913D7C5}" type="datetimeFigureOut">
               <a:rPr lang="en-US" smtClean="0"/>
-              <a:t>5/6/24</a:t>
+              <a:t>5/15/24</a:t>
             </a:fld>
             <a:endParaRPr lang="en-US"/>
           </a:p>
@@ -863,7 +863,7 @@
           <a:p>
             <a:fld id="{ACA42627-B6CF-427D-9662-203EB913D7C5}" type="datetimeFigureOut">
               <a:rPr lang="en-US" smtClean="0"/>
-              <a:t>5/6/24</a:t>
+              <a:t>5/15/24</a:t>
             </a:fld>
             <a:endParaRPr lang="en-US"/>
           </a:p>
@@ -1138,7 +1138,7 @@
           <a:p>
             <a:fld id="{ACA42627-B6CF-427D-9662-203EB913D7C5}" type="datetimeFigureOut">
               <a:rPr lang="en-US" smtClean="0"/>
-              <a:t>5/6/24</a:t>
+              <a:t>5/15/24</a:t>
             </a:fld>
             <a:endParaRPr lang="en-US"/>
           </a:p>
@@ -1403,7 +1403,7 @@
           <a:p>
             <a:fld id="{ACA42627-B6CF-427D-9662-203EB913D7C5}" type="datetimeFigureOut">
               <a:rPr lang="en-US" smtClean="0"/>
-              <a:t>5/6/24</a:t>
+              <a:t>5/15/24</a:t>
             </a:fld>
             <a:endParaRPr lang="en-US"/>
           </a:p>
@@ -1815,7 +1815,7 @@
           <a:p>
             <a:fld id="{ACA42627-B6CF-427D-9662-203EB913D7C5}" type="datetimeFigureOut">
               <a:rPr lang="en-US" smtClean="0"/>
-              <a:t>5/6/24</a:t>
+              <a:t>5/15/24</a:t>
             </a:fld>
             <a:endParaRPr lang="en-US"/>
           </a:p>
@@ -1956,7 +1956,7 @@
           <a:p>
             <a:fld id="{ACA42627-B6CF-427D-9662-203EB913D7C5}" type="datetimeFigureOut">
               <a:rPr lang="en-US" smtClean="0"/>
-              <a:t>5/6/24</a:t>
+              <a:t>5/15/24</a:t>
             </a:fld>
             <a:endParaRPr lang="en-US"/>
           </a:p>
@@ -2069,7 +2069,7 @@
           <a:p>
             <a:fld id="{ACA42627-B6CF-427D-9662-203EB913D7C5}" type="datetimeFigureOut">
               <a:rPr lang="en-US" smtClean="0"/>
-              <a:t>5/6/24</a:t>
+              <a:t>5/15/24</a:t>
             </a:fld>
             <a:endParaRPr lang="en-US"/>
           </a:p>
@@ -2380,7 +2380,7 @@
           <a:p>
             <a:fld id="{ACA42627-B6CF-427D-9662-203EB913D7C5}" type="datetimeFigureOut">
               <a:rPr lang="en-US" smtClean="0"/>
-              <a:t>5/6/24</a:t>
+              <a:t>5/15/24</a:t>
             </a:fld>
             <a:endParaRPr lang="en-US"/>
           </a:p>
@@ -2668,7 +2668,7 @@
           <a:p>
             <a:fld id="{ACA42627-B6CF-427D-9662-203EB913D7C5}" type="datetimeFigureOut">
               <a:rPr lang="en-US" smtClean="0"/>
-              <a:t>5/6/24</a:t>
+              <a:t>5/15/24</a:t>
             </a:fld>
             <a:endParaRPr lang="en-US"/>
           </a:p>
@@ -2909,7 +2909,7 @@
           <a:p>
             <a:fld id="{ACA42627-B6CF-427D-9662-203EB913D7C5}" type="datetimeFigureOut">
               <a:rPr lang="en-US" smtClean="0"/>
-              <a:t>5/6/24</a:t>
+              <a:t>5/15/24</a:t>
             </a:fld>
             <a:endParaRPr lang="en-US"/>
           </a:p>

--- a/src/Projects/PaymentSystem/GeneralDesign.pptx
+++ b/src/Projects/PaymentSystem/GeneralDesign.pptx
@@ -259,7 +259,7 @@
           <a:p>
             <a:fld id="{ACA42627-B6CF-427D-9662-203EB913D7C5}" type="datetimeFigureOut">
               <a:rPr lang="en-US" smtClean="0"/>
-              <a:t>5/15/24</a:t>
+              <a:t>6/8/2024</a:t>
             </a:fld>
             <a:endParaRPr lang="en-US"/>
           </a:p>
@@ -457,7 +457,7 @@
           <a:p>
             <a:fld id="{ACA42627-B6CF-427D-9662-203EB913D7C5}" type="datetimeFigureOut">
               <a:rPr lang="en-US" smtClean="0"/>
-              <a:t>5/15/24</a:t>
+              <a:t>6/8/2024</a:t>
             </a:fld>
             <a:endParaRPr lang="en-US"/>
           </a:p>
@@ -665,7 +665,7 @@
           <a:p>
             <a:fld id="{ACA42627-B6CF-427D-9662-203EB913D7C5}" type="datetimeFigureOut">
               <a:rPr lang="en-US" smtClean="0"/>
-              <a:t>5/15/24</a:t>
+              <a:t>6/8/2024</a:t>
             </a:fld>
             <a:endParaRPr lang="en-US"/>
           </a:p>
@@ -863,7 +863,7 @@
           <a:p>
             <a:fld id="{ACA42627-B6CF-427D-9662-203EB913D7C5}" type="datetimeFigureOut">
               <a:rPr lang="en-US" smtClean="0"/>
-              <a:t>5/15/24</a:t>
+              <a:t>6/8/2024</a:t>
             </a:fld>
             <a:endParaRPr lang="en-US"/>
           </a:p>
@@ -1138,7 +1138,7 @@
           <a:p>
             <a:fld id="{ACA42627-B6CF-427D-9662-203EB913D7C5}" type="datetimeFigureOut">
               <a:rPr lang="en-US" smtClean="0"/>
-              <a:t>5/15/24</a:t>
+              <a:t>6/8/2024</a:t>
             </a:fld>
             <a:endParaRPr lang="en-US"/>
           </a:p>
@@ -1403,7 +1403,7 @@
           <a:p>
             <a:fld id="{ACA42627-B6CF-427D-9662-203EB913D7C5}" type="datetimeFigureOut">
               <a:rPr lang="en-US" smtClean="0"/>
-              <a:t>5/15/24</a:t>
+              <a:t>6/8/2024</a:t>
             </a:fld>
             <a:endParaRPr lang="en-US"/>
           </a:p>
@@ -1815,7 +1815,7 @@
           <a:p>
             <a:fld id="{ACA42627-B6CF-427D-9662-203EB913D7C5}" type="datetimeFigureOut">
               <a:rPr lang="en-US" smtClean="0"/>
-              <a:t>5/15/24</a:t>
+              <a:t>6/8/2024</a:t>
             </a:fld>
             <a:endParaRPr lang="en-US"/>
           </a:p>
@@ -1956,7 +1956,7 @@
           <a:p>
             <a:fld id="{ACA42627-B6CF-427D-9662-203EB913D7C5}" type="datetimeFigureOut">
               <a:rPr lang="en-US" smtClean="0"/>
-              <a:t>5/15/24</a:t>
+              <a:t>6/8/2024</a:t>
             </a:fld>
             <a:endParaRPr lang="en-US"/>
           </a:p>
@@ -2069,7 +2069,7 @@
           <a:p>
             <a:fld id="{ACA42627-B6CF-427D-9662-203EB913D7C5}" type="datetimeFigureOut">
               <a:rPr lang="en-US" smtClean="0"/>
-              <a:t>5/15/24</a:t>
+              <a:t>6/8/2024</a:t>
             </a:fld>
             <a:endParaRPr lang="en-US"/>
           </a:p>
@@ -2380,7 +2380,7 @@
           <a:p>
             <a:fld id="{ACA42627-B6CF-427D-9662-203EB913D7C5}" type="datetimeFigureOut">
               <a:rPr lang="en-US" smtClean="0"/>
-              <a:t>5/15/24</a:t>
+              <a:t>6/8/2024</a:t>
             </a:fld>
             <a:endParaRPr lang="en-US"/>
           </a:p>
@@ -2668,7 +2668,7 @@
           <a:p>
             <a:fld id="{ACA42627-B6CF-427D-9662-203EB913D7C5}" type="datetimeFigureOut">
               <a:rPr lang="en-US" smtClean="0"/>
-              <a:t>5/15/24</a:t>
+              <a:t>6/8/2024</a:t>
             </a:fld>
             <a:endParaRPr lang="en-US"/>
           </a:p>
@@ -2909,7 +2909,7 @@
           <a:p>
             <a:fld id="{ACA42627-B6CF-427D-9662-203EB913D7C5}" type="datetimeFigureOut">
               <a:rPr lang="en-US" smtClean="0"/>
-              <a:t>5/15/24</a:t>
+              <a:t>6/8/2024</a:t>
             </a:fld>
             <a:endParaRPr lang="en-US"/>
           </a:p>
@@ -3886,6 +3886,138 @@
             <a:avLst/>
           </a:prstGeom>
           <a:ln>
+            <a:tailEnd type="triangle"/>
+          </a:ln>
+        </p:spPr>
+        <p:style>
+          <a:lnRef idx="2">
+            <a:schemeClr val="accent1"/>
+          </a:lnRef>
+          <a:fillRef idx="0">
+            <a:schemeClr val="accent1"/>
+          </a:fillRef>
+          <a:effectRef idx="1">
+            <a:schemeClr val="accent1"/>
+          </a:effectRef>
+          <a:fontRef idx="minor">
+            <a:schemeClr val="tx1"/>
+          </a:fontRef>
+        </p:style>
+      </p:cxnSp>
+      <p:sp>
+        <p:nvSpPr>
+          <p:cNvPr id="2" name="Rectangle 1">
+            <a:extLst>
+              <a:ext uri="{FF2B5EF4-FFF2-40B4-BE49-F238E27FC236}">
+                <a16:creationId xmlns:a16="http://schemas.microsoft.com/office/drawing/2014/main" id="{9D8D2C17-ABB2-4210-1075-CC690898A8FF}"/>
+              </a:ext>
+            </a:extLst>
+          </p:cNvPr>
+          <p:cNvSpPr/>
+          <p:nvPr/>
+        </p:nvSpPr>
+        <p:spPr>
+          <a:xfrm>
+            <a:off x="8770713" y="2961312"/>
+            <a:ext cx="2440282" cy="1098958"/>
+          </a:xfrm>
+          <a:prstGeom prst="rect">
+            <a:avLst/>
+          </a:prstGeom>
+        </p:spPr>
+        <p:style>
+          <a:lnRef idx="2">
+            <a:schemeClr val="accent1">
+              <a:shade val="15000"/>
+            </a:schemeClr>
+          </a:lnRef>
+          <a:fillRef idx="1">
+            <a:schemeClr val="accent1"/>
+          </a:fillRef>
+          <a:effectRef idx="0">
+            <a:schemeClr val="accent1"/>
+          </a:effectRef>
+          <a:fontRef idx="minor">
+            <a:schemeClr val="lt1"/>
+          </a:fontRef>
+        </p:style>
+        <p:txBody>
+          <a:bodyPr rtlCol="0" anchor="ctr"/>
+          <a:lstStyle/>
+          <a:p>
+            <a:pPr algn="ctr"/>
+            <a:r>
+              <a:rPr lang="en-US" dirty="0"/>
+              <a:t>X Card Payment  REST Service</a:t>
+            </a:r>
+          </a:p>
+        </p:txBody>
+      </p:sp>
+      <p:cxnSp>
+        <p:nvCxnSpPr>
+          <p:cNvPr id="7" name="Straight Arrow Connector 6">
+            <a:extLst>
+              <a:ext uri="{FF2B5EF4-FFF2-40B4-BE49-F238E27FC236}">
+                <a16:creationId xmlns:a16="http://schemas.microsoft.com/office/drawing/2014/main" id="{8A92CB52-8293-76CC-8AEF-AF7CEDB9A1FF}"/>
+              </a:ext>
+            </a:extLst>
+          </p:cNvPr>
+          <p:cNvCxnSpPr/>
+          <p:nvPr/>
+        </p:nvCxnSpPr>
+        <p:spPr>
+          <a:xfrm flipH="1" flipV="1">
+            <a:off x="7930696" y="3019566"/>
+            <a:ext cx="844513" cy="549479"/>
+          </a:xfrm>
+          <a:prstGeom prst="straightConnector1">
+            <a:avLst/>
+          </a:prstGeom>
+          <a:ln>
+            <a:tailEnd type="triangle"/>
+          </a:ln>
+        </p:spPr>
+        <p:style>
+          <a:lnRef idx="2">
+            <a:schemeClr val="accent1"/>
+          </a:lnRef>
+          <a:fillRef idx="0">
+            <a:schemeClr val="accent1"/>
+          </a:fillRef>
+          <a:effectRef idx="1">
+            <a:schemeClr val="accent1"/>
+          </a:effectRef>
+          <a:fontRef idx="minor">
+            <a:schemeClr val="tx1"/>
+          </a:fontRef>
+        </p:style>
+      </p:cxnSp>
+      <p:cxnSp>
+        <p:nvCxnSpPr>
+          <p:cNvPr id="8" name="Straight Arrow Connector 7">
+            <a:extLst>
+              <a:ext uri="{FF2B5EF4-FFF2-40B4-BE49-F238E27FC236}">
+                <a16:creationId xmlns:a16="http://schemas.microsoft.com/office/drawing/2014/main" id="{2A5FB7DA-7AB9-DE44-F835-64AA63868839}"/>
+              </a:ext>
+            </a:extLst>
+          </p:cNvPr>
+          <p:cNvCxnSpPr>
+            <a:cxnSpLocks/>
+          </p:cNvCxnSpPr>
+          <p:nvPr/>
+        </p:nvCxnSpPr>
+        <p:spPr>
+          <a:xfrm>
+            <a:off x="2924378" y="2251556"/>
+            <a:ext cx="5846335" cy="776746"/>
+          </a:xfrm>
+          <a:prstGeom prst="straightConnector1">
+            <a:avLst/>
+          </a:prstGeom>
+          <a:ln>
+            <a:solidFill>
+              <a:schemeClr val="accent5"/>
+            </a:solidFill>
             <a:tailEnd type="triangle"/>
           </a:ln>
         </p:spPr>

--- a/src/Projects/PaymentSystem/GeneralDesign.pptx
+++ b/src/Projects/PaymentSystem/GeneralDesign.pptx
@@ -6,6 +6,7 @@
   </p:sldMasterIdLst>
   <p:sldIdLst>
     <p:sldId id="256" r:id="rId2"/>
+    <p:sldId id="257" r:id="rId3"/>
   </p:sldIdLst>
   <p:sldSz cx="12192000" cy="6858000"/>
   <p:notesSz cx="6858000" cy="9144000"/>
@@ -259,7 +260,7 @@
           <a:p>
             <a:fld id="{ACA42627-B6CF-427D-9662-203EB913D7C5}" type="datetimeFigureOut">
               <a:rPr lang="en-US" smtClean="0"/>
-              <a:t>6/8/2024</a:t>
+              <a:t>7/8/2024</a:t>
             </a:fld>
             <a:endParaRPr lang="en-US"/>
           </a:p>
@@ -457,7 +458,7 @@
           <a:p>
             <a:fld id="{ACA42627-B6CF-427D-9662-203EB913D7C5}" type="datetimeFigureOut">
               <a:rPr lang="en-US" smtClean="0"/>
-              <a:t>6/8/2024</a:t>
+              <a:t>7/8/2024</a:t>
             </a:fld>
             <a:endParaRPr lang="en-US"/>
           </a:p>
@@ -665,7 +666,7 @@
           <a:p>
             <a:fld id="{ACA42627-B6CF-427D-9662-203EB913D7C5}" type="datetimeFigureOut">
               <a:rPr lang="en-US" smtClean="0"/>
-              <a:t>6/8/2024</a:t>
+              <a:t>7/8/2024</a:t>
             </a:fld>
             <a:endParaRPr lang="en-US"/>
           </a:p>
@@ -863,7 +864,7 @@
           <a:p>
             <a:fld id="{ACA42627-B6CF-427D-9662-203EB913D7C5}" type="datetimeFigureOut">
               <a:rPr lang="en-US" smtClean="0"/>
-              <a:t>6/8/2024</a:t>
+              <a:t>7/8/2024</a:t>
             </a:fld>
             <a:endParaRPr lang="en-US"/>
           </a:p>
@@ -1138,7 +1139,7 @@
           <a:p>
             <a:fld id="{ACA42627-B6CF-427D-9662-203EB913D7C5}" type="datetimeFigureOut">
               <a:rPr lang="en-US" smtClean="0"/>
-              <a:t>6/8/2024</a:t>
+              <a:t>7/8/2024</a:t>
             </a:fld>
             <a:endParaRPr lang="en-US"/>
           </a:p>
@@ -1403,7 +1404,7 @@
           <a:p>
             <a:fld id="{ACA42627-B6CF-427D-9662-203EB913D7C5}" type="datetimeFigureOut">
               <a:rPr lang="en-US" smtClean="0"/>
-              <a:t>6/8/2024</a:t>
+              <a:t>7/8/2024</a:t>
             </a:fld>
             <a:endParaRPr lang="en-US"/>
           </a:p>
@@ -1815,7 +1816,7 @@
           <a:p>
             <a:fld id="{ACA42627-B6CF-427D-9662-203EB913D7C5}" type="datetimeFigureOut">
               <a:rPr lang="en-US" smtClean="0"/>
-              <a:t>6/8/2024</a:t>
+              <a:t>7/8/2024</a:t>
             </a:fld>
             <a:endParaRPr lang="en-US"/>
           </a:p>
@@ -1956,7 +1957,7 @@
           <a:p>
             <a:fld id="{ACA42627-B6CF-427D-9662-203EB913D7C5}" type="datetimeFigureOut">
               <a:rPr lang="en-US" smtClean="0"/>
-              <a:t>6/8/2024</a:t>
+              <a:t>7/8/2024</a:t>
             </a:fld>
             <a:endParaRPr lang="en-US"/>
           </a:p>
@@ -2069,7 +2070,7 @@
           <a:p>
             <a:fld id="{ACA42627-B6CF-427D-9662-203EB913D7C5}" type="datetimeFigureOut">
               <a:rPr lang="en-US" smtClean="0"/>
-              <a:t>6/8/2024</a:t>
+              <a:t>7/8/2024</a:t>
             </a:fld>
             <a:endParaRPr lang="en-US"/>
           </a:p>
@@ -2380,7 +2381,7 @@
           <a:p>
             <a:fld id="{ACA42627-B6CF-427D-9662-203EB913D7C5}" type="datetimeFigureOut">
               <a:rPr lang="en-US" smtClean="0"/>
-              <a:t>6/8/2024</a:t>
+              <a:t>7/8/2024</a:t>
             </a:fld>
             <a:endParaRPr lang="en-US"/>
           </a:p>
@@ -2668,7 +2669,7 @@
           <a:p>
             <a:fld id="{ACA42627-B6CF-427D-9662-203EB913D7C5}" type="datetimeFigureOut">
               <a:rPr lang="en-US" smtClean="0"/>
-              <a:t>6/8/2024</a:t>
+              <a:t>7/8/2024</a:t>
             </a:fld>
             <a:endParaRPr lang="en-US"/>
           </a:p>
@@ -2909,7 +2910,7 @@
           <a:p>
             <a:fld id="{ACA42627-B6CF-427D-9662-203EB913D7C5}" type="datetimeFigureOut">
               <a:rPr lang="en-US" smtClean="0"/>
-              <a:t>6/8/2024</a:t>
+              <a:t>7/8/2024</a:t>
             </a:fld>
             <a:endParaRPr lang="en-US"/>
           </a:p>
@@ -3576,7 +3577,7 @@
         </p:nvSpPr>
         <p:spPr>
           <a:xfrm>
-            <a:off x="8661634" y="4584583"/>
+            <a:off x="8882302" y="4528800"/>
             <a:ext cx="2440282" cy="1098958"/>
           </a:xfrm>
           <a:prstGeom prst="rect">
@@ -3749,13 +3750,15 @@
               </a:ext>
             </a:extLst>
           </p:cNvPr>
-          <p:cNvCxnSpPr/>
+          <p:cNvCxnSpPr>
+            <a:cxnSpLocks/>
+          </p:cNvCxnSpPr>
           <p:nvPr/>
         </p:nvCxnSpPr>
         <p:spPr>
           <a:xfrm>
             <a:off x="2905697" y="2649498"/>
-            <a:ext cx="5755937" cy="2794040"/>
+            <a:ext cx="5976605" cy="2880981"/>
           </a:xfrm>
           <a:prstGeom prst="straightConnector1">
             <a:avLst/>
@@ -3799,7 +3802,7 @@
         <p:spPr>
           <a:xfrm flipH="1" flipV="1">
             <a:off x="2870741" y="2409495"/>
-            <a:ext cx="3225259" cy="1461861"/>
+            <a:ext cx="3295840" cy="1487387"/>
           </a:xfrm>
           <a:prstGeom prst="straightConnector1">
             <a:avLst/>
@@ -3835,13 +3838,15 @@
               </a:ext>
             </a:extLst>
           </p:cNvPr>
-          <p:cNvCxnSpPr/>
+          <p:cNvCxnSpPr>
+            <a:cxnSpLocks/>
+          </p:cNvCxnSpPr>
           <p:nvPr/>
         </p:nvCxnSpPr>
         <p:spPr>
           <a:xfrm flipH="1">
-            <a:off x="7486650" y="1682267"/>
-            <a:ext cx="1230426" cy="1253667"/>
+            <a:off x="7503207" y="1688445"/>
+            <a:ext cx="1232550" cy="1272867"/>
           </a:xfrm>
           <a:prstGeom prst="straightConnector1">
             <a:avLst/>
@@ -3874,13 +3879,15 @@
               </a:ext>
             </a:extLst>
           </p:cNvPr>
-          <p:cNvCxnSpPr/>
+          <p:cNvCxnSpPr>
+            <a:cxnSpLocks/>
+          </p:cNvCxnSpPr>
           <p:nvPr/>
         </p:nvCxnSpPr>
         <p:spPr>
           <a:xfrm flipH="1" flipV="1">
             <a:off x="7926200" y="4035104"/>
-            <a:ext cx="844513" cy="549479"/>
+            <a:ext cx="956102" cy="613266"/>
           </a:xfrm>
           <a:prstGeom prst="straightConnector1">
             <a:avLst/>
@@ -4040,6 +4047,493 @@
     <p:extLst>
       <p:ext uri="{BB962C8B-B14F-4D97-AF65-F5344CB8AC3E}">
         <p14:creationId xmlns:p14="http://schemas.microsoft.com/office/powerpoint/2010/main" val="273246026"/>
+      </p:ext>
+    </p:extLst>
+  </p:cSld>
+  <p:clrMapOvr>
+    <a:masterClrMapping/>
+  </p:clrMapOvr>
+</p:sld>
+</file>
+
+<file path=ppt/slides/slide2.xml><?xml version="1.0" encoding="utf-8"?>
+<p:sld xmlns:a="http://schemas.openxmlformats.org/drawingml/2006/main" xmlns:r="http://schemas.openxmlformats.org/officeDocument/2006/relationships" xmlns:p="http://schemas.openxmlformats.org/presentationml/2006/main">
+  <p:cSld>
+    <p:spTree>
+      <p:nvGrpSpPr>
+        <p:cNvPr id="1" name=""/>
+        <p:cNvGrpSpPr/>
+        <p:nvPr/>
+      </p:nvGrpSpPr>
+      <p:grpSpPr>
+        <a:xfrm>
+          <a:off x="0" y="0"/>
+          <a:ext cx="0" cy="0"/>
+          <a:chOff x="0" y="0"/>
+          <a:chExt cx="0" cy="0"/>
+        </a:xfrm>
+      </p:grpSpPr>
+      <p:sp>
+        <p:nvSpPr>
+          <p:cNvPr id="4" name="Rectangle 3">
+            <a:extLst>
+              <a:ext uri="{FF2B5EF4-FFF2-40B4-BE49-F238E27FC236}">
+                <a16:creationId xmlns:a16="http://schemas.microsoft.com/office/drawing/2014/main" id="{CFF744E5-C259-F42A-4BB8-3CF6E02078AA}"/>
+              </a:ext>
+            </a:extLst>
+          </p:cNvPr>
+          <p:cNvSpPr/>
+          <p:nvPr/>
+        </p:nvSpPr>
+        <p:spPr>
+          <a:xfrm>
+            <a:off x="4457422" y="414666"/>
+            <a:ext cx="1795244" cy="1483167"/>
+          </a:xfrm>
+          <a:prstGeom prst="rect">
+            <a:avLst/>
+          </a:prstGeom>
+        </p:spPr>
+        <p:style>
+          <a:lnRef idx="2">
+            <a:schemeClr val="accent1">
+              <a:shade val="15000"/>
+            </a:schemeClr>
+          </a:lnRef>
+          <a:fillRef idx="1">
+            <a:schemeClr val="accent1"/>
+          </a:fillRef>
+          <a:effectRef idx="0">
+            <a:schemeClr val="accent1"/>
+          </a:effectRef>
+          <a:fontRef idx="minor">
+            <a:schemeClr val="lt1"/>
+          </a:fontRef>
+        </p:style>
+        <p:txBody>
+          <a:bodyPr rtlCol="0" anchor="ctr"/>
+          <a:lstStyle/>
+          <a:p>
+            <a:pPr algn="ctr"/>
+            <a:r>
+              <a:rPr lang="en-US" dirty="0"/>
+              <a:t>Payment Manager</a:t>
+            </a:r>
+          </a:p>
+          <a:p>
+            <a:pPr algn="ctr"/>
+            <a:r>
+              <a:rPr lang="en-US" dirty="0"/>
+              <a:t>Server</a:t>
+            </a:r>
+          </a:p>
+        </p:txBody>
+      </p:sp>
+      <p:sp>
+        <p:nvSpPr>
+          <p:cNvPr id="5" name="Cylinder 4">
+            <a:extLst>
+              <a:ext uri="{FF2B5EF4-FFF2-40B4-BE49-F238E27FC236}">
+                <a16:creationId xmlns:a16="http://schemas.microsoft.com/office/drawing/2014/main" id="{B4255106-4723-1496-B2ED-E8F8073E57EE}"/>
+              </a:ext>
+            </a:extLst>
+          </p:cNvPr>
+          <p:cNvSpPr/>
+          <p:nvPr/>
+        </p:nvSpPr>
+        <p:spPr>
+          <a:xfrm>
+            <a:off x="3589233" y="5097803"/>
+            <a:ext cx="1145137" cy="1674781"/>
+          </a:xfrm>
+          <a:prstGeom prst="can">
+            <a:avLst/>
+          </a:prstGeom>
+        </p:spPr>
+        <p:style>
+          <a:lnRef idx="2">
+            <a:schemeClr val="accent1">
+              <a:shade val="15000"/>
+            </a:schemeClr>
+          </a:lnRef>
+          <a:fillRef idx="1">
+            <a:schemeClr val="accent1"/>
+          </a:fillRef>
+          <a:effectRef idx="0">
+            <a:schemeClr val="accent1"/>
+          </a:effectRef>
+          <a:fontRef idx="minor">
+            <a:schemeClr val="lt1"/>
+          </a:fontRef>
+        </p:style>
+        <p:txBody>
+          <a:bodyPr rtlCol="0" anchor="ctr"/>
+          <a:lstStyle/>
+          <a:p>
+            <a:pPr algn="ctr"/>
+            <a:r>
+              <a:rPr lang="en-US" dirty="0"/>
+              <a:t>RDBMS</a:t>
+            </a:r>
+          </a:p>
+        </p:txBody>
+      </p:sp>
+      <p:sp>
+        <p:nvSpPr>
+          <p:cNvPr id="6" name="Rectangle 5">
+            <a:extLst>
+              <a:ext uri="{FF2B5EF4-FFF2-40B4-BE49-F238E27FC236}">
+                <a16:creationId xmlns:a16="http://schemas.microsoft.com/office/drawing/2014/main" id="{95FFAAF5-D8A7-084B-86CE-24413AF0EB7F}"/>
+              </a:ext>
+            </a:extLst>
+          </p:cNvPr>
+          <p:cNvSpPr/>
+          <p:nvPr/>
+        </p:nvSpPr>
+        <p:spPr>
+          <a:xfrm>
+            <a:off x="3090408" y="3636236"/>
+            <a:ext cx="4529271" cy="1047096"/>
+          </a:xfrm>
+          <a:prstGeom prst="rect">
+            <a:avLst/>
+          </a:prstGeom>
+        </p:spPr>
+        <p:style>
+          <a:lnRef idx="2">
+            <a:schemeClr val="accent1">
+              <a:shade val="15000"/>
+            </a:schemeClr>
+          </a:lnRef>
+          <a:fillRef idx="1">
+            <a:schemeClr val="accent1"/>
+          </a:fillRef>
+          <a:effectRef idx="0">
+            <a:schemeClr val="accent1"/>
+          </a:effectRef>
+          <a:fontRef idx="minor">
+            <a:schemeClr val="lt1"/>
+          </a:fontRef>
+        </p:style>
+        <p:txBody>
+          <a:bodyPr rtlCol="0" anchor="ctr"/>
+          <a:lstStyle/>
+          <a:p>
+            <a:pPr algn="ctr"/>
+            <a:r>
+              <a:rPr lang="en-US" dirty="0"/>
+              <a:t>Repository Layer</a:t>
+            </a:r>
+          </a:p>
+        </p:txBody>
+      </p:sp>
+      <p:sp>
+        <p:nvSpPr>
+          <p:cNvPr id="7" name="Rectangle 6">
+            <a:extLst>
+              <a:ext uri="{FF2B5EF4-FFF2-40B4-BE49-F238E27FC236}">
+                <a16:creationId xmlns:a16="http://schemas.microsoft.com/office/drawing/2014/main" id="{868DCCCE-7AB6-976F-8F9B-88397D34E873}"/>
+              </a:ext>
+            </a:extLst>
+          </p:cNvPr>
+          <p:cNvSpPr/>
+          <p:nvPr/>
+        </p:nvSpPr>
+        <p:spPr>
+          <a:xfrm>
+            <a:off x="3090408" y="2174668"/>
+            <a:ext cx="4529271" cy="1047096"/>
+          </a:xfrm>
+          <a:prstGeom prst="rect">
+            <a:avLst/>
+          </a:prstGeom>
+        </p:spPr>
+        <p:style>
+          <a:lnRef idx="2">
+            <a:schemeClr val="accent1">
+              <a:shade val="15000"/>
+            </a:schemeClr>
+          </a:lnRef>
+          <a:fillRef idx="1">
+            <a:schemeClr val="accent1"/>
+          </a:fillRef>
+          <a:effectRef idx="0">
+            <a:schemeClr val="accent1"/>
+          </a:effectRef>
+          <a:fontRef idx="minor">
+            <a:schemeClr val="lt1"/>
+          </a:fontRef>
+        </p:style>
+        <p:txBody>
+          <a:bodyPr rtlCol="0" anchor="ctr"/>
+          <a:lstStyle/>
+          <a:p>
+            <a:pPr algn="ctr"/>
+            <a:r>
+              <a:rPr lang="en-US" dirty="0"/>
+              <a:t>Service Layer</a:t>
+            </a:r>
+          </a:p>
+        </p:txBody>
+      </p:sp>
+      <p:cxnSp>
+        <p:nvCxnSpPr>
+          <p:cNvPr id="9" name="Straight Arrow Connector 8">
+            <a:extLst>
+              <a:ext uri="{FF2B5EF4-FFF2-40B4-BE49-F238E27FC236}">
+                <a16:creationId xmlns:a16="http://schemas.microsoft.com/office/drawing/2014/main" id="{CBAE532A-7F7E-1286-F963-91ADA9500363}"/>
+              </a:ext>
+            </a:extLst>
+          </p:cNvPr>
+          <p:cNvCxnSpPr/>
+          <p:nvPr/>
+        </p:nvCxnSpPr>
+        <p:spPr>
+          <a:xfrm>
+            <a:off x="4161802" y="3221764"/>
+            <a:ext cx="0" cy="414472"/>
+          </a:xfrm>
+          <a:prstGeom prst="straightConnector1">
+            <a:avLst/>
+          </a:prstGeom>
+          <a:ln>
+            <a:tailEnd type="triangle"/>
+          </a:ln>
+        </p:spPr>
+        <p:style>
+          <a:lnRef idx="2">
+            <a:schemeClr val="accent1"/>
+          </a:lnRef>
+          <a:fillRef idx="0">
+            <a:schemeClr val="accent1"/>
+          </a:fillRef>
+          <a:effectRef idx="1">
+            <a:schemeClr val="accent1"/>
+          </a:effectRef>
+          <a:fontRef idx="minor">
+            <a:schemeClr val="tx1"/>
+          </a:fontRef>
+        </p:style>
+      </p:cxnSp>
+      <p:cxnSp>
+        <p:nvCxnSpPr>
+          <p:cNvPr id="11" name="Straight Arrow Connector 10">
+            <a:extLst>
+              <a:ext uri="{FF2B5EF4-FFF2-40B4-BE49-F238E27FC236}">
+                <a16:creationId xmlns:a16="http://schemas.microsoft.com/office/drawing/2014/main" id="{DDBE2C97-206E-8988-0ADF-443AD6F53DDD}"/>
+              </a:ext>
+            </a:extLst>
+          </p:cNvPr>
+          <p:cNvCxnSpPr/>
+          <p:nvPr/>
+        </p:nvCxnSpPr>
+        <p:spPr>
+          <a:xfrm>
+            <a:off x="6905002" y="3221764"/>
+            <a:ext cx="0" cy="414472"/>
+          </a:xfrm>
+          <a:prstGeom prst="straightConnector1">
+            <a:avLst/>
+          </a:prstGeom>
+          <a:ln>
+            <a:tailEnd type="triangle"/>
+          </a:ln>
+        </p:spPr>
+        <p:style>
+          <a:lnRef idx="2">
+            <a:schemeClr val="accent1"/>
+          </a:lnRef>
+          <a:fillRef idx="0">
+            <a:schemeClr val="accent1"/>
+          </a:fillRef>
+          <a:effectRef idx="1">
+            <a:schemeClr val="accent1"/>
+          </a:effectRef>
+          <a:fontRef idx="minor">
+            <a:schemeClr val="tx1"/>
+          </a:fontRef>
+        </p:style>
+      </p:cxnSp>
+      <p:cxnSp>
+        <p:nvCxnSpPr>
+          <p:cNvPr id="13" name="Straight Arrow Connector 12">
+            <a:extLst>
+              <a:ext uri="{FF2B5EF4-FFF2-40B4-BE49-F238E27FC236}">
+                <a16:creationId xmlns:a16="http://schemas.microsoft.com/office/drawing/2014/main" id="{B3FE74E9-B567-4136-8D47-7EDE0BE79EA4}"/>
+              </a:ext>
+            </a:extLst>
+          </p:cNvPr>
+          <p:cNvCxnSpPr>
+            <a:cxnSpLocks/>
+            <a:endCxn id="5" idx="1"/>
+          </p:cNvCxnSpPr>
+          <p:nvPr/>
+        </p:nvCxnSpPr>
+        <p:spPr>
+          <a:xfrm flipH="1">
+            <a:off x="4161802" y="4683332"/>
+            <a:ext cx="780514" cy="414471"/>
+          </a:xfrm>
+          <a:prstGeom prst="straightConnector1">
+            <a:avLst/>
+          </a:prstGeom>
+          <a:ln>
+            <a:tailEnd type="triangle"/>
+          </a:ln>
+        </p:spPr>
+        <p:style>
+          <a:lnRef idx="2">
+            <a:schemeClr val="accent1"/>
+          </a:lnRef>
+          <a:fillRef idx="0">
+            <a:schemeClr val="accent1"/>
+          </a:fillRef>
+          <a:effectRef idx="1">
+            <a:schemeClr val="accent1"/>
+          </a:effectRef>
+          <a:fontRef idx="minor">
+            <a:schemeClr val="tx1"/>
+          </a:fontRef>
+        </p:style>
+      </p:cxnSp>
+      <p:cxnSp>
+        <p:nvCxnSpPr>
+          <p:cNvPr id="15" name="Straight Arrow Connector 14">
+            <a:extLst>
+              <a:ext uri="{FF2B5EF4-FFF2-40B4-BE49-F238E27FC236}">
+                <a16:creationId xmlns:a16="http://schemas.microsoft.com/office/drawing/2014/main" id="{DE3D6AA0-AA51-C5B5-BB97-7C9ADE106510}"/>
+              </a:ext>
+            </a:extLst>
+          </p:cNvPr>
+          <p:cNvCxnSpPr>
+            <a:cxnSpLocks/>
+            <a:endCxn id="18" idx="1"/>
+          </p:cNvCxnSpPr>
+          <p:nvPr/>
+        </p:nvCxnSpPr>
+        <p:spPr>
+          <a:xfrm>
+            <a:off x="5434807" y="4683332"/>
+            <a:ext cx="1470195" cy="414472"/>
+          </a:xfrm>
+          <a:prstGeom prst="straightConnector1">
+            <a:avLst/>
+          </a:prstGeom>
+          <a:ln>
+            <a:tailEnd type="triangle"/>
+          </a:ln>
+        </p:spPr>
+        <p:style>
+          <a:lnRef idx="2">
+            <a:schemeClr val="accent1"/>
+          </a:lnRef>
+          <a:fillRef idx="0">
+            <a:schemeClr val="accent1"/>
+          </a:fillRef>
+          <a:effectRef idx="1">
+            <a:schemeClr val="accent1"/>
+          </a:effectRef>
+          <a:fontRef idx="minor">
+            <a:schemeClr val="tx1"/>
+          </a:fontRef>
+        </p:style>
+      </p:cxnSp>
+      <p:cxnSp>
+        <p:nvCxnSpPr>
+          <p:cNvPr id="17" name="Straight Arrow Connector 16">
+            <a:extLst>
+              <a:ext uri="{FF2B5EF4-FFF2-40B4-BE49-F238E27FC236}">
+                <a16:creationId xmlns:a16="http://schemas.microsoft.com/office/drawing/2014/main" id="{4A61888F-9169-DE19-F6C6-9755E61AC0FA}"/>
+              </a:ext>
+            </a:extLst>
+          </p:cNvPr>
+          <p:cNvCxnSpPr>
+            <a:stCxn id="4" idx="2"/>
+            <a:endCxn id="7" idx="0"/>
+          </p:cNvCxnSpPr>
+          <p:nvPr/>
+        </p:nvCxnSpPr>
+        <p:spPr>
+          <a:xfrm>
+            <a:off x="5355044" y="1897833"/>
+            <a:ext cx="0" cy="276835"/>
+          </a:xfrm>
+          <a:prstGeom prst="straightConnector1">
+            <a:avLst/>
+          </a:prstGeom>
+          <a:ln>
+            <a:tailEnd type="triangle"/>
+          </a:ln>
+        </p:spPr>
+        <p:style>
+          <a:lnRef idx="2">
+            <a:schemeClr val="accent1"/>
+          </a:lnRef>
+          <a:fillRef idx="0">
+            <a:schemeClr val="accent1"/>
+          </a:fillRef>
+          <a:effectRef idx="1">
+            <a:schemeClr val="accent1"/>
+          </a:effectRef>
+          <a:fontRef idx="minor">
+            <a:schemeClr val="tx1"/>
+          </a:fontRef>
+        </p:style>
+      </p:cxnSp>
+      <p:sp>
+        <p:nvSpPr>
+          <p:cNvPr id="18" name="Cylinder 17">
+            <a:extLst>
+              <a:ext uri="{FF2B5EF4-FFF2-40B4-BE49-F238E27FC236}">
+                <a16:creationId xmlns:a16="http://schemas.microsoft.com/office/drawing/2014/main" id="{E90327F7-F005-2DD4-9A6B-28DCB3EA525A}"/>
+              </a:ext>
+            </a:extLst>
+          </p:cNvPr>
+          <p:cNvSpPr/>
+          <p:nvPr/>
+        </p:nvSpPr>
+        <p:spPr>
+          <a:xfrm>
+            <a:off x="6332433" y="5097804"/>
+            <a:ext cx="1145137" cy="1674781"/>
+          </a:xfrm>
+          <a:prstGeom prst="can">
+            <a:avLst/>
+          </a:prstGeom>
+        </p:spPr>
+        <p:style>
+          <a:lnRef idx="2">
+            <a:schemeClr val="accent1">
+              <a:shade val="15000"/>
+            </a:schemeClr>
+          </a:lnRef>
+          <a:fillRef idx="1">
+            <a:schemeClr val="accent1"/>
+          </a:fillRef>
+          <a:effectRef idx="0">
+            <a:schemeClr val="accent1"/>
+          </a:effectRef>
+          <a:fontRef idx="minor">
+            <a:schemeClr val="lt1"/>
+          </a:fontRef>
+        </p:style>
+        <p:txBody>
+          <a:bodyPr rtlCol="0" anchor="ctr"/>
+          <a:lstStyle/>
+          <a:p>
+            <a:pPr algn="ctr"/>
+            <a:r>
+              <a:rPr lang="en-US" dirty="0" err="1"/>
+              <a:t>NoSql</a:t>
+            </a:r>
+            <a:endParaRPr lang="en-US" dirty="0"/>
+          </a:p>
+        </p:txBody>
+      </p:sp>
+    </p:spTree>
+    <p:extLst>
+      <p:ext uri="{BB962C8B-B14F-4D97-AF65-F5344CB8AC3E}">
+        <p14:creationId xmlns:p14="http://schemas.microsoft.com/office/powerpoint/2010/main" val="2536839703"/>
       </p:ext>
     </p:extLst>
   </p:cSld>
